--- a/docs/EquipmentSetup/Kits/OTIS_Kit.pptx
+++ b/docs/EquipmentSetup/Kits/OTIS_Kit.pptx
@@ -208,7 +208,7 @@
           <a:p>
             <a:fld id="{B9503A7B-FFA9-4535-9439-F7DED7245B92}" type="datetimeFigureOut">
               <a:rPr lang="en-CA" smtClean="0"/>
-              <a:t>2024-11-21</a:t>
+              <a:t>2024-12-19</a:t>
             </a:fld>
             <a:endParaRPr lang="en-CA"/>
           </a:p>
@@ -715,7 +715,7 @@
           <a:p>
             <a:fld id="{DFF2FBC3-E573-4B2D-B1C4-960EEBA08826}" type="datetimeFigureOut">
               <a:rPr lang="fr-CA" smtClean="0"/>
-              <a:t>2024-11-21</a:t>
+              <a:t>2024-12-19</a:t>
             </a:fld>
             <a:endParaRPr lang="fr-CA"/>
           </a:p>
@@ -885,7 +885,7 @@
           <a:p>
             <a:fld id="{DFF2FBC3-E573-4B2D-B1C4-960EEBA08826}" type="datetimeFigureOut">
               <a:rPr lang="fr-CA" smtClean="0"/>
-              <a:t>2024-11-21</a:t>
+              <a:t>2024-12-19</a:t>
             </a:fld>
             <a:endParaRPr lang="fr-CA"/>
           </a:p>
@@ -1065,7 +1065,7 @@
           <a:p>
             <a:fld id="{DFF2FBC3-E573-4B2D-B1C4-960EEBA08826}" type="datetimeFigureOut">
               <a:rPr lang="fr-CA" smtClean="0"/>
-              <a:t>2024-11-21</a:t>
+              <a:t>2024-12-19</a:t>
             </a:fld>
             <a:endParaRPr lang="fr-CA"/>
           </a:p>
@@ -1235,7 +1235,7 @@
           <a:p>
             <a:fld id="{DFF2FBC3-E573-4B2D-B1C4-960EEBA08826}" type="datetimeFigureOut">
               <a:rPr lang="fr-CA" smtClean="0"/>
-              <a:t>2024-11-21</a:t>
+              <a:t>2024-12-19</a:t>
             </a:fld>
             <a:endParaRPr lang="fr-CA"/>
           </a:p>
@@ -1479,7 +1479,7 @@
           <a:p>
             <a:fld id="{DFF2FBC3-E573-4B2D-B1C4-960EEBA08826}" type="datetimeFigureOut">
               <a:rPr lang="fr-CA" smtClean="0"/>
-              <a:t>2024-11-21</a:t>
+              <a:t>2024-12-19</a:t>
             </a:fld>
             <a:endParaRPr lang="fr-CA"/>
           </a:p>
@@ -1711,7 +1711,7 @@
           <a:p>
             <a:fld id="{DFF2FBC3-E573-4B2D-B1C4-960EEBA08826}" type="datetimeFigureOut">
               <a:rPr lang="fr-CA" smtClean="0"/>
-              <a:t>2024-11-21</a:t>
+              <a:t>2024-12-19</a:t>
             </a:fld>
             <a:endParaRPr lang="fr-CA"/>
           </a:p>
@@ -2078,7 +2078,7 @@
           <a:p>
             <a:fld id="{DFF2FBC3-E573-4B2D-B1C4-960EEBA08826}" type="datetimeFigureOut">
               <a:rPr lang="fr-CA" smtClean="0"/>
-              <a:t>2024-11-21</a:t>
+              <a:t>2024-12-19</a:t>
             </a:fld>
             <a:endParaRPr lang="fr-CA"/>
           </a:p>
@@ -2196,7 +2196,7 @@
           <a:p>
             <a:fld id="{DFF2FBC3-E573-4B2D-B1C4-960EEBA08826}" type="datetimeFigureOut">
               <a:rPr lang="fr-CA" smtClean="0"/>
-              <a:t>2024-11-21</a:t>
+              <a:t>2024-12-19</a:t>
             </a:fld>
             <a:endParaRPr lang="fr-CA"/>
           </a:p>
@@ -2291,7 +2291,7 @@
           <a:p>
             <a:fld id="{DFF2FBC3-E573-4B2D-B1C4-960EEBA08826}" type="datetimeFigureOut">
               <a:rPr lang="fr-CA" smtClean="0"/>
-              <a:t>2024-11-21</a:t>
+              <a:t>2024-12-19</a:t>
             </a:fld>
             <a:endParaRPr lang="fr-CA"/>
           </a:p>
@@ -2568,7 +2568,7 @@
           <a:p>
             <a:fld id="{DFF2FBC3-E573-4B2D-B1C4-960EEBA08826}" type="datetimeFigureOut">
               <a:rPr lang="fr-CA" smtClean="0"/>
-              <a:t>2024-11-21</a:t>
+              <a:t>2024-12-19</a:t>
             </a:fld>
             <a:endParaRPr lang="fr-CA"/>
           </a:p>
@@ -2825,7 +2825,7 @@
           <a:p>
             <a:fld id="{DFF2FBC3-E573-4B2D-B1C4-960EEBA08826}" type="datetimeFigureOut">
               <a:rPr lang="fr-CA" smtClean="0"/>
-              <a:t>2024-11-21</a:t>
+              <a:t>2024-12-19</a:t>
             </a:fld>
             <a:endParaRPr lang="fr-CA"/>
           </a:p>
@@ -3038,7 +3038,7 @@
           <a:p>
             <a:fld id="{DFF2FBC3-E573-4B2D-B1C4-960EEBA08826}" type="datetimeFigureOut">
               <a:rPr lang="fr-CA" smtClean="0"/>
-              <a:t>2024-11-21</a:t>
+              <a:t>2024-12-19</a:t>
             </a:fld>
             <a:endParaRPr lang="fr-CA"/>
           </a:p>
@@ -3602,8 +3602,8 @@
         </p:nvSpPr>
         <p:spPr>
           <a:xfrm>
-            <a:off x="2338634" y="2029814"/>
-            <a:ext cx="768159" cy="404085"/>
+            <a:off x="2296154" y="2029814"/>
+            <a:ext cx="853119" cy="404085"/>
           </a:xfrm>
           <a:prstGeom prst="rect">
             <a:avLst/>
@@ -3626,7 +3626,7 @@
             </a:br>
             <a:r>
               <a:rPr lang="en-CA" sz="1013" dirty="0"/>
-              <a:t>+ owlcms</a:t>
+              <a:t>+ owlcms (*)</a:t>
             </a:r>
           </a:p>
         </p:txBody>
@@ -3684,8 +3684,8 @@
         </p:nvSpPr>
         <p:spPr>
           <a:xfrm>
-            <a:off x="2522979" y="7206734"/>
-            <a:ext cx="399468" cy="248209"/>
+            <a:off x="2404356" y="7206734"/>
+            <a:ext cx="636714" cy="248209"/>
           </a:xfrm>
           <a:prstGeom prst="rect">
             <a:avLst/>
@@ -3701,7 +3701,7 @@
             <a:pPr algn="ctr"/>
             <a:r>
               <a:rPr lang="en-CA" sz="1013" dirty="0"/>
-              <a:t>Jury</a:t>
+              <a:t>Jury (**)</a:t>
             </a:r>
           </a:p>
         </p:txBody>
@@ -4448,8 +4448,8 @@
         </p:nvSpPr>
         <p:spPr>
           <a:xfrm>
-            <a:off x="2252072" y="3900799"/>
-            <a:ext cx="957313" cy="248209"/>
+            <a:off x="2133449" y="3900799"/>
+            <a:ext cx="1194559" cy="248209"/>
           </a:xfrm>
           <a:prstGeom prst="rect">
             <a:avLst/>
@@ -4471,7 +4471,10 @@
               <a:rPr lang="fr-CA" sz="1013" dirty="0" err="1"/>
               <a:t>Clock</a:t>
             </a:r>
-            <a:endParaRPr lang="fr-CA" sz="1013" dirty="0"/>
+            <a:r>
+              <a:rPr lang="fr-CA" sz="1013" dirty="0"/>
+              <a:t> (**)</a:t>
+            </a:r>
           </a:p>
         </p:txBody>
       </p:sp>
@@ -5578,8 +5581,8 @@
         </p:nvSpPr>
         <p:spPr>
           <a:xfrm>
-            <a:off x="2405883" y="4920291"/>
-            <a:ext cx="615874" cy="248209"/>
+            <a:off x="2287261" y="4920291"/>
+            <a:ext cx="853119" cy="248209"/>
           </a:xfrm>
           <a:prstGeom prst="rect">
             <a:avLst/>
@@ -5595,7 +5598,7 @@
             <a:pPr algn="ctr"/>
             <a:r>
               <a:rPr lang="en-CA" sz="1013" dirty="0"/>
-              <a:t>Marshal</a:t>
+              <a:t>Marshal (**)</a:t>
             </a:r>
           </a:p>
         </p:txBody>
@@ -6023,7 +6026,7 @@
             </a:br>
             <a:r>
               <a:rPr lang="en-CA" sz="1013" dirty="0"/>
-              <a:t>Room Displays</a:t>
+              <a:t>Room Displays (***)</a:t>
             </a:r>
           </a:p>
         </p:txBody>
@@ -6130,8 +6133,8 @@
         </p:nvCxnSpPr>
         <p:spPr>
           <a:xfrm rot="5400000">
-            <a:off x="2302726" y="2180847"/>
-            <a:ext cx="166937" cy="673041"/>
+            <a:off x="2302728" y="2180849"/>
+            <a:ext cx="166937" cy="673037"/>
           </a:xfrm>
           <a:prstGeom prst="bentConnector2">
             <a:avLst/>
@@ -8631,6 +8634,62 @@
           </p:spPr>
         </p:pic>
       </p:grpSp>
+      <p:sp>
+        <p:nvSpPr>
+          <p:cNvPr id="16" name="TextBox 15">
+            <a:extLst>
+              <a:ext uri="{FF2B5EF4-FFF2-40B4-BE49-F238E27FC236}">
+                <a16:creationId xmlns:a16="http://schemas.microsoft.com/office/drawing/2014/main" id="{A6153F7F-7298-ACD8-EDCE-B2FD34E1E785}"/>
+              </a:ext>
+            </a:extLst>
+          </p:cNvPr>
+          <p:cNvSpPr txBox="1"/>
+          <p:nvPr/>
+        </p:nvSpPr>
+        <p:spPr>
+          <a:xfrm>
+            <a:off x="3618555" y="6461882"/>
+            <a:ext cx="3150863" cy="923330"/>
+          </a:xfrm>
+          <a:prstGeom prst="rect">
+            <a:avLst/>
+          </a:prstGeom>
+          <a:noFill/>
+        </p:spPr>
+        <p:txBody>
+          <a:bodyPr wrap="none" rtlCol="0">
+            <a:spAutoFit/>
+          </a:bodyPr>
+          <a:lstStyle/>
+          <a:p>
+            <a:r>
+              <a:rPr lang="en-CA" sz="1200" dirty="0"/>
+              <a:t>* Raspberry Pi 5 with SSD and portable monitor</a:t>
+            </a:r>
+            <a:br>
+              <a:rPr lang="en-CA" sz="1200" dirty="0"/>
+            </a:br>
+            <a:r>
+              <a:rPr lang="en-CA" sz="1200" dirty="0"/>
+              <a:t>** Raspberry Pi 500 with portable monitor</a:t>
+            </a:r>
+            <a:br>
+              <a:rPr lang="en-CA" sz="1200" dirty="0"/>
+            </a:br>
+            <a:r>
+              <a:rPr lang="en-CA" sz="1200" dirty="0"/>
+              <a:t>*** Raspberry Pi 500 (TVs used as monitors)</a:t>
+            </a:r>
+          </a:p>
+          <a:p>
+            <a:pPr marL="285750" indent="-285750">
+              <a:buFont typeface="Arial" panose="020B0604020202020204" pitchFamily="34" charset="0"/>
+              <a:buChar char="•"/>
+            </a:pPr>
+            <a:endParaRPr lang="en-CA" dirty="0"/>
+          </a:p>
+        </p:txBody>
+      </p:sp>
     </p:spTree>
     <p:extLst>
       <p:ext uri="{BB962C8B-B14F-4D97-AF65-F5344CB8AC3E}">
